--- a/01385150刘乾.pptx
+++ b/01385150刘乾.pptx
@@ -2104,11 +2104,7 @@
           <a:p>
             <a:r>
               <a:rPr lang="zh-CN" altLang="en-US"/>
-              <a:t>在历时近两个月的情景模拟中，通过不断的实践来提升自己的技术能力，在面对问题时，也能很好的参与团队之间的沟通和交流，最后完成的产品能够达到预期，经过测试，系统能够节省一次预算收集在汇总数据时所花费的时间</a:t>
-            </a:r>
-            <a:r>
-              <a:rPr lang="zh-CN" altLang="en-US"/>
-              <a:t>，最终我们取得了决赛项目前十的好成绩</a:t>
+              <a:t>在历时近两个月的情景模拟中，通过不断的实践来提升自己的技术能力，在面对问题时，也能很好的参与团队之间的沟通和交流，最后完成的产品能够达到预期，经过测试，系统能够节省一次预算收集在汇总数据时所花费的时间，最终我们取得了决赛项目前十的好成绩</a:t>
             </a:r>
             <a:endParaRPr lang="zh-CN" altLang="en-US"/>
           </a:p>
@@ -2264,13 +2260,7 @@
               <a:rPr lang="zh-CN" altLang="en-US">
                 <a:sym typeface="+mn-ea"/>
               </a:rPr>
-              <a:t>在国庆过后我开始进入智能终端组做后端开发，开始熟悉航空业务，</a:t>
-            </a:r>
-            <a:r>
-              <a:rPr lang="zh-CN" altLang="en-US">
-                <a:sym typeface="+mn-ea"/>
-              </a:rPr>
-              <a:t>在进部门的时候，导师给我制定了培养计划，分为四个阶段来提升自己的技术能力和业务理解，最开始主要的问题还是在于对于业务逻辑的和数据库表之间的关联关系的认知不够，在经过导师一周多时间的系统架构疏导之后，总算是有了一些基本的概念</a:t>
+              <a:t>在国庆过后我开始进入智能终端组做后端开发，开始熟悉航空业务，在进部门的时候，导师给我制定了培养计划，分为四个阶段来提升自己的技术能力和业务理解，最开始主要的问题还是在于对于业务逻辑的和数据库表之间的关联关系的认知不够，在经过导师一周多时间的系统架构疏导之后，总算是有了一些基本的概念</a:t>
             </a:r>
             <a:endParaRPr lang="zh-CN" altLang="en-US"/>
           </a:p>
@@ -8976,14 +8966,7 @@
                 <a:latin typeface="微软雅黑" panose="020B0503020204020204" pitchFamily="34" charset="-122"/>
                 <a:ea typeface="微软雅黑" panose="020B0503020204020204" pitchFamily="34" charset="-122"/>
               </a:rPr>
-              <a:t>熟悉</a:t>
-            </a:r>
-            <a:r>
-              <a:rPr lang="zh-CN" altLang="en-US" sz="1400">
-                <a:latin typeface="微软雅黑" panose="020B0503020204020204" pitchFamily="34" charset="-122"/>
-                <a:ea typeface="微软雅黑" panose="020B0503020204020204" pitchFamily="34" charset="-122"/>
-              </a:rPr>
-              <a:t>一些常用的</a:t>
+              <a:t>熟悉一些常用的</a:t>
             </a:r>
             <a:r>
               <a:rPr lang="en-US" altLang="zh-CN" sz="1400">
@@ -13447,7 +13430,7 @@
         </p:nvSpPr>
         <p:spPr>
           <a:xfrm>
-            <a:off x="993775" y="2031365"/>
+            <a:off x="1079500" y="2345690"/>
             <a:ext cx="5702300" cy="368300"/>
           </a:xfrm>
           <a:prstGeom prst="rect">
@@ -13474,47 +13457,14 @@
       </p:sp>
       <p:sp>
         <p:nvSpPr>
-          <p:cNvPr id="5" name="文本框 4"/>
-          <p:cNvSpPr txBox="1"/>
-          <p:nvPr/>
-        </p:nvSpPr>
-        <p:spPr>
-          <a:xfrm>
-            <a:off x="993775" y="2617470"/>
-            <a:ext cx="5702300" cy="368300"/>
-          </a:xfrm>
-          <a:prstGeom prst="rect">
-            <a:avLst/>
-          </a:prstGeom>
-          <a:noFill/>
-        </p:spPr>
-        <p:txBody>
-          <a:bodyPr wrap="square" rtlCol="0">
-            <a:spAutoFit/>
-          </a:bodyPr>
-          <a:p>
-            <a:r>
-              <a:rPr lang="en-US" altLang="zh-CN"/>
-              <a:t>3.</a:t>
-            </a:r>
-            <a:r>
-              <a:rPr lang="zh-CN" altLang="en-US"/>
-              <a:t>自我认知</a:t>
-            </a:r>
-            <a:endParaRPr lang="zh-CN" altLang="en-US"/>
-          </a:p>
-        </p:txBody>
-      </p:sp>
-      <p:sp>
-        <p:nvSpPr>
           <p:cNvPr id="8" name="文本框 7"/>
           <p:cNvSpPr txBox="1"/>
           <p:nvPr/>
         </p:nvSpPr>
         <p:spPr>
           <a:xfrm>
-            <a:off x="4579620" y="2031365"/>
-            <a:ext cx="5702300" cy="368300"/>
+            <a:off x="4665345" y="2298065"/>
+            <a:ext cx="2116455" cy="368300"/>
           </a:xfrm>
           <a:prstGeom prst="rect">
             <a:avLst/>
@@ -24515,7 +24465,7 @@
           <p:nvPr/>
         </p:nvGraphicFramePr>
         <p:xfrm>
-          <a:off x="6033135" y="1628140"/>
+          <a:off x="6071235" y="1628140"/>
           <a:ext cx="5319395" cy="3303270"/>
         </p:xfrm>
         <a:graphic>
@@ -24682,6 +24632,97 @@
               <a:t>与团队沟通，一起解决问题</a:t>
             </a:r>
             <a:endParaRPr lang="zh-CN" altLang="en-US"/>
+          </a:p>
+        </p:txBody>
+      </p:sp>
+      <p:sp>
+        <p:nvSpPr>
+          <p:cNvPr id="6" name="右大括号 5"/>
+          <p:cNvSpPr/>
+          <p:nvPr/>
+        </p:nvSpPr>
+        <p:spPr>
+          <a:xfrm>
+            <a:off x="9460230" y="2451735"/>
+            <a:ext cx="638810" cy="1812925"/>
+          </a:xfrm>
+          <a:prstGeom prst="rightBrace">
+            <a:avLst/>
+          </a:prstGeom>
+        </p:spPr>
+        <p:style>
+          <a:lnRef idx="1">
+            <a:schemeClr val="accent1"/>
+          </a:lnRef>
+          <a:fillRef idx="0">
+            <a:schemeClr val="accent1"/>
+          </a:fillRef>
+          <a:effectRef idx="0">
+            <a:schemeClr val="accent1"/>
+          </a:effectRef>
+          <a:fontRef idx="minor">
+            <a:schemeClr val="tx1"/>
+          </a:fontRef>
+        </p:style>
+        <p:txBody>
+          <a:bodyPr rtlCol="0" anchor="ctr"/>
+          <a:p>
+            <a:pPr algn="ctr"/>
+            <a:endParaRPr lang="zh-CN" altLang="en-US"/>
+          </a:p>
+        </p:txBody>
+      </p:sp>
+      <p:sp>
+        <p:nvSpPr>
+          <p:cNvPr id="7" name="文本框 6"/>
+          <p:cNvSpPr txBox="1"/>
+          <p:nvPr/>
+        </p:nvSpPr>
+        <p:spPr>
+          <a:xfrm>
+            <a:off x="10189210" y="3178810"/>
+            <a:ext cx="1953895" cy="460375"/>
+          </a:xfrm>
+          <a:prstGeom prst="rect">
+            <a:avLst/>
+          </a:prstGeom>
+          <a:noFill/>
+        </p:spPr>
+        <p:txBody>
+          <a:bodyPr wrap="square" rtlCol="0">
+            <a:spAutoFit/>
+          </a:bodyPr>
+          <a:p>
+            <a:r>
+              <a:rPr lang="en-US" altLang="zh-CN" sz="2400">
+                <a:solidFill>
+                  <a:srgbClr val="E55938"/>
+                </a:solidFill>
+                <a:latin typeface="微软雅黑" panose="020B0503020204020204" pitchFamily="34" charset="-122"/>
+                <a:ea typeface="微软雅黑" panose="020B0503020204020204" pitchFamily="34" charset="-122"/>
+                <a:cs typeface="微软雅黑" panose="020B0503020204020204" pitchFamily="34" charset="-122"/>
+              </a:rPr>
+              <a:t>60+</a:t>
+            </a:r>
+            <a:r>
+              <a:rPr lang="zh-CN" altLang="en-US" sz="2400">
+                <a:solidFill>
+                  <a:srgbClr val="E55938"/>
+                </a:solidFill>
+                <a:latin typeface="微软雅黑" panose="020B0503020204020204" pitchFamily="34" charset="-122"/>
+                <a:ea typeface="微软雅黑" panose="020B0503020204020204" pitchFamily="34" charset="-122"/>
+                <a:cs typeface="微软雅黑" panose="020B0503020204020204" pitchFamily="34" charset="-122"/>
+              </a:rPr>
+              <a:t>小时</a:t>
+            </a:r>
+            <a:endParaRPr lang="zh-CN" altLang="en-US" sz="2400">
+              <a:solidFill>
+                <a:srgbClr val="E55938"/>
+              </a:solidFill>
+              <a:latin typeface="微软雅黑" panose="020B0503020204020204" pitchFamily="34" charset="-122"/>
+              <a:ea typeface="微软雅黑" panose="020B0503020204020204" pitchFamily="34" charset="-122"/>
+              <a:cs typeface="微软雅黑" panose="020B0503020204020204" pitchFamily="34" charset="-122"/>
+            </a:endParaRPr>
           </a:p>
         </p:txBody>
       </p:sp>
